--- a/Week 48/SENDING DATA TO THE SITE.pptx
+++ b/Week 48/SENDING DATA TO THE SITE.pptx
@@ -7921,11 +7921,7 @@
           <a:p>
             <a:r>
               <a:rPr lang="en-US" dirty="0" smtClean="0"/>
-              <a:t>Decrypt </a:t>
-            </a:r>
-            <a:r>
-              <a:rPr lang="en-US" dirty="0" smtClean="0"/>
-              <a:t>these data from the site , and check for this customer there. </a:t>
+              <a:t>Decrypt these data from the site , and check for this customer there. </a:t>
             </a:r>
           </a:p>
           <a:p>
@@ -7972,11 +7968,7 @@
             </a:pPr>
             <a:r>
               <a:rPr lang="en-US" dirty="0" smtClean="0"/>
-              <a:t>   </a:t>
-            </a:r>
-            <a:r>
-              <a:rPr lang="en-US" dirty="0" smtClean="0"/>
-              <a:t>  These </a:t>
+              <a:t>     These </a:t>
             </a:r>
             <a:r>
               <a:rPr lang="en-US" dirty="0" err="1" smtClean="0"/>
@@ -7992,8 +7984,17 @@
             </a:r>
             <a:r>
               <a:rPr lang="en-US" dirty="0" smtClean="0"/>
-              <a:t> will be updated in the setup table.</a:t>
-            </a:r>
+              <a:t> will be updated in </a:t>
+            </a:r>
+            <a:r>
+              <a:rPr lang="en-US" smtClean="0"/>
+              <a:t>the </a:t>
+            </a:r>
+            <a:r>
+              <a:rPr lang="en-US" smtClean="0"/>
+              <a:t>table.</a:t>
+            </a:r>
+            <a:endParaRPr lang="en-US" dirty="0" smtClean="0"/>
           </a:p>
           <a:p>
             <a:pPr marL="0" indent="0">
@@ -8089,11 +8090,7 @@
           <a:p>
             <a:r>
               <a:rPr lang="en-US" dirty="0" smtClean="0"/>
-              <a:t>At </a:t>
-            </a:r>
-            <a:r>
-              <a:rPr lang="en-US" dirty="0" smtClean="0"/>
-              <a:t>the time of opening our software, will send data(</a:t>
+              <a:t>At the time of opening our software, will send data(</a:t>
             </a:r>
             <a:r>
               <a:rPr lang="en-US" dirty="0" err="1" smtClean="0"/>
@@ -8118,11 +8115,7 @@
           <a:p>
             <a:r>
               <a:rPr lang="en-US" dirty="0" smtClean="0"/>
-              <a:t>These </a:t>
-            </a:r>
-            <a:r>
-              <a:rPr lang="en-US" dirty="0" smtClean="0"/>
-              <a:t>data will be stored in the site, it will help to know which version they are using.</a:t>
+              <a:t>These data will be stored in the site, it will help to know which version they are using.</a:t>
             </a:r>
             <a:endParaRPr lang="en-US" dirty="0"/>
           </a:p>
